--- a/KafkaDocumentation/KafkaConfigurationsAfter Installation.pptx
+++ b/KafkaDocumentation/KafkaConfigurationsAfter Installation.pptx
@@ -18,6 +18,7 @@
     <p:sldId id="266" r:id="rId12"/>
     <p:sldId id="267" r:id="rId13"/>
     <p:sldId id="268" r:id="rId14"/>
+    <p:sldId id="270" r:id="rId15"/>
   </p:sldIdLst>
   <p:sldSz cx="12192000" cy="6858000"/>
   <p:notesSz cx="6858000" cy="9144000"/>
@@ -122,6 +123,12 @@
     </p:ext>
   </p:extLst>
 </p:presentation>
+</file>
+
+<file path=ppt/authors.xml><?xml version="1.0" encoding="utf-8"?>
+<p188:authorLst xmlns:a="http://schemas.openxmlformats.org/drawingml/2006/main" xmlns:r="http://schemas.openxmlformats.org/officeDocument/2006/relationships" xmlns:p188="http://schemas.microsoft.com/office/powerpoint/2018/8/main">
+  <p188:author id="{BD2D06AF-C60D-7364-5651-C3F0633D1888}" name="Naveen Kollu (TietoEVRY Norway AS)" initials="NK(NA" userId="S::NAVK@equinor.com::fde47ca3-872c-4101-9db4-bef4025bdabc" providerId="AD"/>
+</p188:authorLst>
 </file>
 
 <file path=ppt/revisionInfo.xml><?xml version="1.0" encoding="utf-8"?>
@@ -556,6 +563,147 @@
 </pc:chgInfo>
 </file>
 
+<file path=ppt/comments/modernComment_10E_5BD991BB.xml><?xml version="1.0" encoding="utf-8"?>
+<p188:cmLst xmlns:a="http://schemas.openxmlformats.org/drawingml/2006/main" xmlns:r="http://schemas.openxmlformats.org/officeDocument/2006/relationships" xmlns:p188="http://schemas.microsoft.com/office/powerpoint/2018/8/main">
+  <p188:cm id="{B5CE4E3E-95C2-4A53-9B68-385D97463C80}" authorId="{BD2D06AF-C60D-7364-5651-C3F0633D1888}" created="2022-11-23T14:36:04.682">
+    <ac:deMkLst xmlns:ac="http://schemas.microsoft.com/office/drawing/2013/main/command">
+      <pc:docMk xmlns:pc="http://schemas.microsoft.com/office/powerpoint/2013/main/command"/>
+      <pc:sldMk xmlns:pc="http://schemas.microsoft.com/office/powerpoint/2013/main/command" cId="1540985275" sldId="270"/>
+      <ac:cxnSpMk id="16" creationId="{32CD5E60-2A91-4F5B-9308-9610359250D5}"/>
+    </ac:deMkLst>
+    <p188:txBody>
+      <a:bodyPr/>
+      <a:lstStyle/>
+      <a:p>
+        <a:r>
+          <a:rPr lang="nb-NO"/>
+          <a:t>Flow 1 and Flow 2</a:t>
+        </a:r>
+      </a:p>
+    </p188:txBody>
+  </p188:cm>
+  <p188:cm id="{08612703-04B4-43C0-9E13-0569912DFEED}" authorId="{BD2D06AF-C60D-7364-5651-C3F0633D1888}" created="2022-11-23T14:37:08.251">
+    <ac:deMkLst xmlns:ac="http://schemas.microsoft.com/office/drawing/2013/main/command">
+      <pc:docMk xmlns:pc="http://schemas.microsoft.com/office/powerpoint/2013/main/command"/>
+      <pc:sldMk xmlns:pc="http://schemas.microsoft.com/office/powerpoint/2013/main/command" cId="1540985275" sldId="270"/>
+      <ac:cxnSpMk id="19" creationId="{1F2B4349-3E05-4BEC-ADA6-370B66BAFC30}"/>
+    </ac:deMkLst>
+    <p188:txBody>
+      <a:bodyPr/>
+      <a:lstStyle/>
+      <a:p>
+        <a:r>
+          <a:rPr lang="nb-NO"/>
+          <a:t>Flow1 and Flow2</a:t>
+        </a:r>
+      </a:p>
+    </p188:txBody>
+  </p188:cm>
+  <p188:cm id="{1DFB2E66-BC56-4CD6-BBEA-9EEED5CA8474}" authorId="{BD2D06AF-C60D-7364-5651-C3F0633D1888}" created="2022-11-23T14:37:30.719">
+    <ac:deMkLst xmlns:ac="http://schemas.microsoft.com/office/drawing/2013/main/command">
+      <pc:docMk xmlns:pc="http://schemas.microsoft.com/office/powerpoint/2013/main/command"/>
+      <pc:sldMk xmlns:pc="http://schemas.microsoft.com/office/powerpoint/2013/main/command" cId="1540985275" sldId="270"/>
+      <ac:cxnSpMk id="26" creationId="{45C85240-B6F6-47E0-8367-57F0DCC11EEB}"/>
+    </ac:deMkLst>
+    <p188:txBody>
+      <a:bodyPr/>
+      <a:lstStyle/>
+      <a:p>
+        <a:r>
+          <a:rPr lang="nb-NO"/>
+          <a:t>Flow 1</a:t>
+        </a:r>
+      </a:p>
+    </p188:txBody>
+  </p188:cm>
+  <p188:cm id="{75E914C2-7DE3-491B-A1A5-539C636DA487}" authorId="{BD2D06AF-C60D-7364-5651-C3F0633D1888}" created="2022-11-23T14:37:53.707">
+    <ac:deMkLst xmlns:ac="http://schemas.microsoft.com/office/drawing/2013/main/command">
+      <pc:docMk xmlns:pc="http://schemas.microsoft.com/office/powerpoint/2013/main/command"/>
+      <pc:sldMk xmlns:pc="http://schemas.microsoft.com/office/powerpoint/2013/main/command" cId="1540985275" sldId="270"/>
+      <ac:cxnSpMk id="22" creationId="{1B963D6C-7C8B-4954-AEF4-08A56F4E2A28}"/>
+    </ac:deMkLst>
+    <p188:txBody>
+      <a:bodyPr/>
+      <a:lstStyle/>
+      <a:p>
+        <a:r>
+          <a:rPr lang="nb-NO"/>
+          <a:t>Flow 2</a:t>
+        </a:r>
+      </a:p>
+    </p188:txBody>
+  </p188:cm>
+  <p188:cm id="{CB2F86A4-BCE8-4A6C-BA33-1B582280D1F0}" authorId="{BD2D06AF-C60D-7364-5651-C3F0633D1888}" created="2022-11-23T14:38:10.475">
+    <ac:deMkLst xmlns:ac="http://schemas.microsoft.com/office/drawing/2013/main/command">
+      <pc:docMk xmlns:pc="http://schemas.microsoft.com/office/powerpoint/2013/main/command"/>
+      <pc:sldMk xmlns:pc="http://schemas.microsoft.com/office/powerpoint/2013/main/command" cId="1540985275" sldId="270"/>
+      <ac:cxnSpMk id="31" creationId="{C0537081-5704-4045-9FA0-56F104EFBAE2}"/>
+    </ac:deMkLst>
+    <p188:txBody>
+      <a:bodyPr/>
+      <a:lstStyle/>
+      <a:p>
+        <a:r>
+          <a:rPr lang="nb-NO"/>
+          <a:t>Flow 2</a:t>
+        </a:r>
+      </a:p>
+    </p188:txBody>
+  </p188:cm>
+  <p188:cm id="{46605C07-1DF5-4CE5-8B5B-65D6FBFBE342}" authorId="{BD2D06AF-C60D-7364-5651-C3F0633D1888}" created="2022-11-23T14:40:41.723">
+    <ac:deMkLst xmlns:ac="http://schemas.microsoft.com/office/drawing/2013/main/command">
+      <pc:docMk xmlns:pc="http://schemas.microsoft.com/office/powerpoint/2013/main/command"/>
+      <pc:sldMk xmlns:pc="http://schemas.microsoft.com/office/powerpoint/2013/main/command" cId="1540985275" sldId="270"/>
+      <ac:cxnSpMk id="38" creationId="{7C684F5C-1D6F-4EC5-9D17-A599884F7220}"/>
+    </ac:deMkLst>
+    <p188:txBody>
+      <a:bodyPr/>
+      <a:lstStyle/>
+      <a:p>
+        <a:r>
+          <a:rPr lang="nb-NO"/>
+          <a:t>FLow 2</a:t>
+        </a:r>
+      </a:p>
+    </p188:txBody>
+  </p188:cm>
+  <p188:cm id="{32C948A8-B353-4303-94A7-191B7D377446}" authorId="{BD2D06AF-C60D-7364-5651-C3F0633D1888}" created="2022-11-23T14:41:00.817">
+    <ac:deMkLst xmlns:ac="http://schemas.microsoft.com/office/drawing/2013/main/command">
+      <pc:docMk xmlns:pc="http://schemas.microsoft.com/office/powerpoint/2013/main/command"/>
+      <pc:sldMk xmlns:pc="http://schemas.microsoft.com/office/powerpoint/2013/main/command" cId="1540985275" sldId="270"/>
+      <ac:cxnSpMk id="48" creationId="{774B6BA2-8F3C-4496-8CF5-1B6E93DC5C13}"/>
+    </ac:deMkLst>
+    <p188:txBody>
+      <a:bodyPr/>
+      <a:lstStyle/>
+      <a:p>
+        <a:r>
+          <a:rPr lang="nb-NO"/>
+          <a:t>Flow 2</a:t>
+        </a:r>
+      </a:p>
+    </p188:txBody>
+  </p188:cm>
+  <p188:cm id="{2323B4C6-0ED6-4354-B8C6-D92019448FEC}" authorId="{BD2D06AF-C60D-7364-5651-C3F0633D1888}" created="2022-11-23T14:41:14.492">
+    <ac:deMkLst xmlns:ac="http://schemas.microsoft.com/office/drawing/2013/main/command">
+      <pc:docMk xmlns:pc="http://schemas.microsoft.com/office/powerpoint/2013/main/command"/>
+      <pc:sldMk xmlns:pc="http://schemas.microsoft.com/office/powerpoint/2013/main/command" cId="1540985275" sldId="270"/>
+      <ac:cxnSpMk id="29" creationId="{92CB9348-82D3-4ACE-B0E6-A8FA03F3ABB1}"/>
+    </ac:deMkLst>
+    <p188:txBody>
+      <a:bodyPr/>
+      <a:lstStyle/>
+      <a:p>
+        <a:r>
+          <a:rPr lang="nb-NO"/>
+          <a:t>Flow 1 and  Flow 2</a:t>
+        </a:r>
+      </a:p>
+    </p188:txBody>
+  </p188:cm>
+</p188:cmLst>
+</file>
+
 <file path=ppt/slideLayouts/slideLayout1.xml><?xml version="1.0" encoding="utf-8"?>
 <p:sldLayout xmlns:a="http://schemas.openxmlformats.org/drawingml/2006/main" xmlns:r="http://schemas.openxmlformats.org/officeDocument/2006/relationships" xmlns:p="http://schemas.openxmlformats.org/presentationml/2006/main" type="title" preserve="1">
   <p:cSld name="Title Slide">
@@ -703,7 +851,7 @@
           <a:p>
             <a:fld id="{57A840A4-6533-4FC8-9640-CF51C19D09B8}" type="datetimeFigureOut">
               <a:rPr lang="en-US" smtClean="0"/>
-              <a:t>11/17/2022</a:t>
+              <a:t>11/23/2022</a:t>
             </a:fld>
             <a:endParaRPr lang="en-US"/>
           </a:p>
@@ -901,7 +1049,7 @@
           <a:p>
             <a:fld id="{57A840A4-6533-4FC8-9640-CF51C19D09B8}" type="datetimeFigureOut">
               <a:rPr lang="en-US" smtClean="0"/>
-              <a:t>11/17/2022</a:t>
+              <a:t>11/23/2022</a:t>
             </a:fld>
             <a:endParaRPr lang="en-US"/>
           </a:p>
@@ -1109,7 +1257,7 @@
           <a:p>
             <a:fld id="{57A840A4-6533-4FC8-9640-CF51C19D09B8}" type="datetimeFigureOut">
               <a:rPr lang="en-US" smtClean="0"/>
-              <a:t>11/17/2022</a:t>
+              <a:t>11/23/2022</a:t>
             </a:fld>
             <a:endParaRPr lang="en-US"/>
           </a:p>
@@ -1307,7 +1455,7 @@
           <a:p>
             <a:fld id="{57A840A4-6533-4FC8-9640-CF51C19D09B8}" type="datetimeFigureOut">
               <a:rPr lang="en-US" smtClean="0"/>
-              <a:t>11/17/2022</a:t>
+              <a:t>11/23/2022</a:t>
             </a:fld>
             <a:endParaRPr lang="en-US"/>
           </a:p>
@@ -1582,7 +1730,7 @@
           <a:p>
             <a:fld id="{57A840A4-6533-4FC8-9640-CF51C19D09B8}" type="datetimeFigureOut">
               <a:rPr lang="en-US" smtClean="0"/>
-              <a:t>11/17/2022</a:t>
+              <a:t>11/23/2022</a:t>
             </a:fld>
             <a:endParaRPr lang="en-US"/>
           </a:p>
@@ -1847,7 +1995,7 @@
           <a:p>
             <a:fld id="{57A840A4-6533-4FC8-9640-CF51C19D09B8}" type="datetimeFigureOut">
               <a:rPr lang="en-US" smtClean="0"/>
-              <a:t>11/17/2022</a:t>
+              <a:t>11/23/2022</a:t>
             </a:fld>
             <a:endParaRPr lang="en-US"/>
           </a:p>
@@ -2259,7 +2407,7 @@
           <a:p>
             <a:fld id="{57A840A4-6533-4FC8-9640-CF51C19D09B8}" type="datetimeFigureOut">
               <a:rPr lang="en-US" smtClean="0"/>
-              <a:t>11/17/2022</a:t>
+              <a:t>11/23/2022</a:t>
             </a:fld>
             <a:endParaRPr lang="en-US"/>
           </a:p>
@@ -2400,7 +2548,7 @@
           <a:p>
             <a:fld id="{57A840A4-6533-4FC8-9640-CF51C19D09B8}" type="datetimeFigureOut">
               <a:rPr lang="en-US" smtClean="0"/>
-              <a:t>11/17/2022</a:t>
+              <a:t>11/23/2022</a:t>
             </a:fld>
             <a:endParaRPr lang="en-US"/>
           </a:p>
@@ -2513,7 +2661,7 @@
           <a:p>
             <a:fld id="{57A840A4-6533-4FC8-9640-CF51C19D09B8}" type="datetimeFigureOut">
               <a:rPr lang="en-US" smtClean="0"/>
-              <a:t>11/17/2022</a:t>
+              <a:t>11/23/2022</a:t>
             </a:fld>
             <a:endParaRPr lang="en-US"/>
           </a:p>
@@ -2824,7 +2972,7 @@
           <a:p>
             <a:fld id="{57A840A4-6533-4FC8-9640-CF51C19D09B8}" type="datetimeFigureOut">
               <a:rPr lang="en-US" smtClean="0"/>
-              <a:t>11/17/2022</a:t>
+              <a:t>11/23/2022</a:t>
             </a:fld>
             <a:endParaRPr lang="en-US"/>
           </a:p>
@@ -3112,7 +3260,7 @@
           <a:p>
             <a:fld id="{57A840A4-6533-4FC8-9640-CF51C19D09B8}" type="datetimeFigureOut">
               <a:rPr lang="en-US" smtClean="0"/>
-              <a:t>11/17/2022</a:t>
+              <a:t>11/23/2022</a:t>
             </a:fld>
             <a:endParaRPr lang="en-US"/>
           </a:p>
@@ -3353,7 +3501,7 @@
           <a:p>
             <a:fld id="{57A840A4-6533-4FC8-9640-CF51C19D09B8}" type="datetimeFigureOut">
               <a:rPr lang="en-US" smtClean="0"/>
-              <a:t>11/17/2022</a:t>
+              <a:t>11/23/2022</a:t>
             </a:fld>
             <a:endParaRPr lang="en-US"/>
           </a:p>
@@ -4967,6 +5115,1020 @@
 </p:sld>
 </file>
 
+<file path=ppt/slides/slide14.xml><?xml version="1.0" encoding="utf-8"?>
+<p:sld xmlns:a="http://schemas.openxmlformats.org/drawingml/2006/main" xmlns:r="http://schemas.openxmlformats.org/officeDocument/2006/relationships" xmlns:p="http://schemas.openxmlformats.org/presentationml/2006/main">
+  <p:cSld>
+    <p:spTree>
+      <p:nvGrpSpPr>
+        <p:cNvPr id="1" name=""/>
+        <p:cNvGrpSpPr/>
+        <p:nvPr/>
+      </p:nvGrpSpPr>
+      <p:grpSpPr>
+        <a:xfrm>
+          <a:off x="0" y="0"/>
+          <a:ext cx="0" cy="0"/>
+          <a:chOff x="0" y="0"/>
+          <a:chExt cx="0" cy="0"/>
+        </a:xfrm>
+      </p:grpSpPr>
+      <p:sp>
+        <p:nvSpPr>
+          <p:cNvPr id="2" name="Title 1">
+            <a:extLst>
+              <a:ext uri="{FF2B5EF4-FFF2-40B4-BE49-F238E27FC236}">
+                <a16:creationId xmlns:a16="http://schemas.microsoft.com/office/drawing/2014/main" id="{5DA7486A-57DB-4486-BA33-4C3FD50D3DCF}"/>
+              </a:ext>
+            </a:extLst>
+          </p:cNvPr>
+          <p:cNvSpPr>
+            <a:spLocks noGrp="1"/>
+          </p:cNvSpPr>
+          <p:nvPr>
+            <p:ph type="title"/>
+          </p:nvPr>
+        </p:nvSpPr>
+        <p:spPr>
+          <a:xfrm>
+            <a:off x="838200" y="365126"/>
+            <a:ext cx="10382250" cy="451762"/>
+          </a:xfrm>
+        </p:spPr>
+        <p:txBody>
+          <a:bodyPr>
+            <a:normAutofit fontScale="90000"/>
+          </a:bodyPr>
+          <a:lstStyle/>
+          <a:p>
+            <a:r>
+              <a:rPr lang="nb-NO" sz="2800" b="1" dirty="0" err="1"/>
+              <a:t>Workflow</a:t>
+            </a:r>
+            <a:r>
+              <a:rPr lang="nb-NO" sz="2800" b="1" dirty="0"/>
+              <a:t> from Database To </a:t>
+            </a:r>
+            <a:r>
+              <a:rPr lang="nb-NO" sz="2800" b="1" dirty="0" err="1"/>
+              <a:t>Elasticsearch</a:t>
+            </a:r>
+            <a:br>
+              <a:rPr lang="nb-NO" dirty="0"/>
+            </a:br>
+            <a:endParaRPr lang="nb-NO" dirty="0"/>
+          </a:p>
+        </p:txBody>
+      </p:sp>
+      <p:sp>
+        <p:nvSpPr>
+          <p:cNvPr id="3" name="Content Placeholder 2">
+            <a:extLst>
+              <a:ext uri="{FF2B5EF4-FFF2-40B4-BE49-F238E27FC236}">
+                <a16:creationId xmlns:a16="http://schemas.microsoft.com/office/drawing/2014/main" id="{7B7371C7-9D12-4606-AA39-029B9C512234}"/>
+              </a:ext>
+            </a:extLst>
+          </p:cNvPr>
+          <p:cNvSpPr>
+            <a:spLocks noGrp="1"/>
+          </p:cNvSpPr>
+          <p:nvPr>
+            <p:ph idx="1"/>
+          </p:nvPr>
+        </p:nvSpPr>
+        <p:spPr>
+          <a:xfrm>
+            <a:off x="838200" y="816889"/>
+            <a:ext cx="10515600" cy="6041112"/>
+          </a:xfrm>
+        </p:spPr>
+        <p:txBody>
+          <a:bodyPr>
+            <a:normAutofit/>
+          </a:bodyPr>
+          <a:lstStyle/>
+          <a:p>
+            <a:pPr marL="0" indent="0">
+              <a:buNone/>
+            </a:pPr>
+            <a:r>
+              <a:rPr lang="nb-NO" sz="1600" dirty="0" err="1"/>
+              <a:t>There</a:t>
+            </a:r>
+            <a:r>
+              <a:rPr lang="nb-NO" sz="1600" dirty="0"/>
+              <a:t> </a:t>
+            </a:r>
+            <a:r>
+              <a:rPr lang="nb-NO" sz="1600" dirty="0" err="1"/>
+              <a:t>are</a:t>
+            </a:r>
+            <a:r>
+              <a:rPr lang="nb-NO" sz="1600" dirty="0"/>
+              <a:t> </a:t>
+            </a:r>
+            <a:r>
+              <a:rPr lang="nb-NO" sz="1600" dirty="0" err="1"/>
+              <a:t>two</a:t>
+            </a:r>
+            <a:r>
+              <a:rPr lang="nb-NO" sz="1600" dirty="0"/>
+              <a:t> </a:t>
+            </a:r>
+            <a:r>
+              <a:rPr lang="nb-NO" sz="1600" dirty="0" err="1"/>
+              <a:t>work</a:t>
+            </a:r>
+            <a:r>
+              <a:rPr lang="nb-NO" sz="1600" dirty="0"/>
+              <a:t> </a:t>
+            </a:r>
+            <a:r>
+              <a:rPr lang="nb-NO" sz="1600" dirty="0" err="1"/>
+              <a:t>flows</a:t>
+            </a:r>
+            <a:r>
+              <a:rPr lang="nb-NO" sz="1600" dirty="0"/>
+              <a:t> in </a:t>
+            </a:r>
+            <a:r>
+              <a:rPr lang="nb-NO" sz="1600" dirty="0" err="1"/>
+              <a:t>Below</a:t>
+            </a:r>
+            <a:r>
+              <a:rPr lang="nb-NO" sz="1600" dirty="0"/>
+              <a:t> Diagram</a:t>
+            </a:r>
+          </a:p>
+          <a:p>
+            <a:pPr marL="0" indent="0">
+              <a:buNone/>
+            </a:pPr>
+            <a:r>
+              <a:rPr lang="nb-NO" sz="1600" dirty="0"/>
+              <a:t>1) One from Database to </a:t>
+            </a:r>
+            <a:r>
+              <a:rPr lang="nb-NO" sz="1600" dirty="0" err="1"/>
+              <a:t>Elasticsearch</a:t>
+            </a:r>
+            <a:r>
+              <a:rPr lang="nb-NO" sz="1600" dirty="0"/>
+              <a:t> (</a:t>
+            </a:r>
+            <a:r>
+              <a:rPr lang="nb-NO" sz="1600" dirty="0" err="1"/>
+              <a:t>Flow</a:t>
+            </a:r>
+            <a:r>
+              <a:rPr lang="nb-NO" sz="1600" dirty="0"/>
+              <a:t> 1)</a:t>
+            </a:r>
+          </a:p>
+          <a:p>
+            <a:pPr marL="0" indent="0">
+              <a:buNone/>
+            </a:pPr>
+            <a:r>
+              <a:rPr lang="nb-NO" sz="1600" dirty="0"/>
+              <a:t>2) Second </a:t>
+            </a:r>
+            <a:r>
+              <a:rPr lang="nb-NO" sz="1600" dirty="0" err="1"/>
+              <a:t>one</a:t>
+            </a:r>
+            <a:r>
+              <a:rPr lang="nb-NO" sz="1600" dirty="0"/>
+              <a:t> is from Database to </a:t>
+            </a:r>
+            <a:r>
+              <a:rPr lang="nb-NO" sz="1600" dirty="0" err="1"/>
+              <a:t>Elasticsearch</a:t>
+            </a:r>
+            <a:r>
+              <a:rPr lang="nb-NO" sz="1600" dirty="0"/>
+              <a:t> (</a:t>
+            </a:r>
+            <a:r>
+              <a:rPr lang="nb-NO" sz="1600" dirty="0" err="1"/>
+              <a:t>Flow</a:t>
+            </a:r>
+            <a:r>
+              <a:rPr lang="nb-NO" sz="1600" dirty="0"/>
+              <a:t> 2)</a:t>
+            </a:r>
+          </a:p>
+        </p:txBody>
+      </p:sp>
+      <p:sp>
+        <p:nvSpPr>
+          <p:cNvPr id="4" name="Rectangle 3">
+            <a:extLst>
+              <a:ext uri="{FF2B5EF4-FFF2-40B4-BE49-F238E27FC236}">
+                <a16:creationId xmlns:a16="http://schemas.microsoft.com/office/drawing/2014/main" id="{BF0380F8-87B3-4E3A-89D2-35A45969C8E3}"/>
+              </a:ext>
+            </a:extLst>
+          </p:cNvPr>
+          <p:cNvSpPr/>
+          <p:nvPr/>
+        </p:nvSpPr>
+        <p:spPr>
+          <a:xfrm>
+            <a:off x="4296000" y="1809500"/>
+            <a:ext cx="1800000" cy="720000"/>
+          </a:xfrm>
+          <a:prstGeom prst="rect">
+            <a:avLst/>
+          </a:prstGeom>
+        </p:spPr>
+        <p:style>
+          <a:lnRef idx="2">
+            <a:schemeClr val="accent1">
+              <a:shade val="50000"/>
+            </a:schemeClr>
+          </a:lnRef>
+          <a:fillRef idx="1">
+            <a:schemeClr val="accent1"/>
+          </a:fillRef>
+          <a:effectRef idx="0">
+            <a:schemeClr val="accent1"/>
+          </a:effectRef>
+          <a:fontRef idx="minor">
+            <a:schemeClr val="lt1"/>
+          </a:fontRef>
+        </p:style>
+        <p:txBody>
+          <a:bodyPr rtlCol="0" anchor="ctr"/>
+          <a:lstStyle/>
+          <a:p>
+            <a:pPr algn="ctr"/>
+            <a:r>
+              <a:rPr lang="nb-NO" dirty="0"/>
+              <a:t>Database </a:t>
+            </a:r>
+            <a:r>
+              <a:rPr lang="nb-NO" dirty="0" err="1"/>
+              <a:t>Table</a:t>
+            </a:r>
+            <a:endParaRPr lang="nb-NO" dirty="0"/>
+          </a:p>
+        </p:txBody>
+      </p:sp>
+      <p:sp>
+        <p:nvSpPr>
+          <p:cNvPr id="6" name="Rectangle 5">
+            <a:extLst>
+              <a:ext uri="{FF2B5EF4-FFF2-40B4-BE49-F238E27FC236}">
+                <a16:creationId xmlns:a16="http://schemas.microsoft.com/office/drawing/2014/main" id="{C1B8C17C-B2D5-434B-8EEC-67E0487C07D2}"/>
+              </a:ext>
+            </a:extLst>
+          </p:cNvPr>
+          <p:cNvSpPr/>
+          <p:nvPr/>
+        </p:nvSpPr>
+        <p:spPr>
+          <a:xfrm>
+            <a:off x="4288221" y="2818031"/>
+            <a:ext cx="1800000" cy="720000"/>
+          </a:xfrm>
+          <a:prstGeom prst="rect">
+            <a:avLst/>
+          </a:prstGeom>
+          <a:solidFill>
+            <a:srgbClr val="7030A0"/>
+          </a:solidFill>
+        </p:spPr>
+        <p:style>
+          <a:lnRef idx="2">
+            <a:schemeClr val="accent1">
+              <a:shade val="50000"/>
+            </a:schemeClr>
+          </a:lnRef>
+          <a:fillRef idx="1">
+            <a:schemeClr val="accent1"/>
+          </a:fillRef>
+          <a:effectRef idx="0">
+            <a:schemeClr val="accent1"/>
+          </a:effectRef>
+          <a:fontRef idx="minor">
+            <a:schemeClr val="lt1"/>
+          </a:fontRef>
+        </p:style>
+        <p:txBody>
+          <a:bodyPr rtlCol="0" anchor="ctr"/>
+          <a:lstStyle/>
+          <a:p>
+            <a:pPr algn="ctr"/>
+            <a:r>
+              <a:rPr lang="nb-NO" dirty="0" err="1"/>
+              <a:t>Jdbc</a:t>
+            </a:r>
+            <a:r>
+              <a:rPr lang="nb-NO" dirty="0"/>
+              <a:t>/</a:t>
+            </a:r>
+            <a:r>
+              <a:rPr lang="nb-NO" dirty="0" err="1"/>
+              <a:t>debezium</a:t>
+            </a:r>
+            <a:r>
+              <a:rPr lang="nb-NO" dirty="0"/>
+              <a:t> Connector</a:t>
+            </a:r>
+          </a:p>
+        </p:txBody>
+      </p:sp>
+      <p:sp>
+        <p:nvSpPr>
+          <p:cNvPr id="7" name="Oval 6">
+            <a:extLst>
+              <a:ext uri="{FF2B5EF4-FFF2-40B4-BE49-F238E27FC236}">
+                <a16:creationId xmlns:a16="http://schemas.microsoft.com/office/drawing/2014/main" id="{ACA84532-89FA-41D2-85CF-222469A5A42D}"/>
+              </a:ext>
+            </a:extLst>
+          </p:cNvPr>
+          <p:cNvSpPr/>
+          <p:nvPr/>
+        </p:nvSpPr>
+        <p:spPr>
+          <a:xfrm>
+            <a:off x="4288221" y="3799117"/>
+            <a:ext cx="1800000" cy="720000"/>
+          </a:xfrm>
+          <a:prstGeom prst="ellipse">
+            <a:avLst/>
+          </a:prstGeom>
+          <a:solidFill>
+            <a:schemeClr val="accent2"/>
+          </a:solidFill>
+        </p:spPr>
+        <p:style>
+          <a:lnRef idx="2">
+            <a:schemeClr val="accent1">
+              <a:shade val="50000"/>
+            </a:schemeClr>
+          </a:lnRef>
+          <a:fillRef idx="1">
+            <a:schemeClr val="accent1"/>
+          </a:fillRef>
+          <a:effectRef idx="0">
+            <a:schemeClr val="accent1"/>
+          </a:effectRef>
+          <a:fontRef idx="minor">
+            <a:schemeClr val="lt1"/>
+          </a:fontRef>
+        </p:style>
+        <p:txBody>
+          <a:bodyPr rtlCol="0" anchor="ctr"/>
+          <a:lstStyle/>
+          <a:p>
+            <a:pPr algn="ctr"/>
+            <a:r>
+              <a:rPr lang="nb-NO" dirty="0"/>
+              <a:t>Kafka </a:t>
+            </a:r>
+            <a:r>
+              <a:rPr lang="nb-NO" dirty="0" err="1"/>
+              <a:t>Topic</a:t>
+            </a:r>
+            <a:endParaRPr lang="nb-NO" dirty="0"/>
+          </a:p>
+        </p:txBody>
+      </p:sp>
+      <p:sp>
+        <p:nvSpPr>
+          <p:cNvPr id="8" name="Rectangle 7">
+            <a:extLst>
+              <a:ext uri="{FF2B5EF4-FFF2-40B4-BE49-F238E27FC236}">
+                <a16:creationId xmlns:a16="http://schemas.microsoft.com/office/drawing/2014/main" id="{D5FD90FE-79EA-4C3B-ACFB-9E9D3F09FEAD}"/>
+              </a:ext>
+            </a:extLst>
+          </p:cNvPr>
+          <p:cNvSpPr/>
+          <p:nvPr/>
+        </p:nvSpPr>
+        <p:spPr>
+          <a:xfrm>
+            <a:off x="4288221" y="4873564"/>
+            <a:ext cx="1800000" cy="720000"/>
+          </a:xfrm>
+          <a:prstGeom prst="rect">
+            <a:avLst/>
+          </a:prstGeom>
+          <a:solidFill>
+            <a:srgbClr val="7030A0"/>
+          </a:solidFill>
+        </p:spPr>
+        <p:style>
+          <a:lnRef idx="2">
+            <a:schemeClr val="accent1">
+              <a:shade val="50000"/>
+            </a:schemeClr>
+          </a:lnRef>
+          <a:fillRef idx="1">
+            <a:schemeClr val="accent1"/>
+          </a:fillRef>
+          <a:effectRef idx="0">
+            <a:schemeClr val="accent1"/>
+          </a:effectRef>
+          <a:fontRef idx="minor">
+            <a:schemeClr val="lt1"/>
+          </a:fontRef>
+        </p:style>
+        <p:txBody>
+          <a:bodyPr rtlCol="0" anchor="ctr"/>
+          <a:lstStyle/>
+          <a:p>
+            <a:pPr algn="ctr"/>
+            <a:r>
+              <a:rPr lang="nb-NO" dirty="0" err="1"/>
+              <a:t>Elasticsearch</a:t>
+            </a:r>
+            <a:r>
+              <a:rPr lang="nb-NO" dirty="0"/>
+              <a:t> Connector</a:t>
+            </a:r>
+          </a:p>
+        </p:txBody>
+      </p:sp>
+      <p:sp>
+        <p:nvSpPr>
+          <p:cNvPr id="9" name="Rectangle 8">
+            <a:extLst>
+              <a:ext uri="{FF2B5EF4-FFF2-40B4-BE49-F238E27FC236}">
+                <a16:creationId xmlns:a16="http://schemas.microsoft.com/office/drawing/2014/main" id="{092E9F4E-A4DD-4F97-A15A-FEF771D6C61F}"/>
+              </a:ext>
+            </a:extLst>
+          </p:cNvPr>
+          <p:cNvSpPr/>
+          <p:nvPr/>
+        </p:nvSpPr>
+        <p:spPr>
+          <a:xfrm>
+            <a:off x="4288221" y="6037694"/>
+            <a:ext cx="1800000" cy="720000"/>
+          </a:xfrm>
+          <a:prstGeom prst="rect">
+            <a:avLst/>
+          </a:prstGeom>
+          <a:solidFill>
+            <a:schemeClr val="accent1"/>
+          </a:solidFill>
+        </p:spPr>
+        <p:style>
+          <a:lnRef idx="2">
+            <a:schemeClr val="accent1">
+              <a:shade val="50000"/>
+            </a:schemeClr>
+          </a:lnRef>
+          <a:fillRef idx="1">
+            <a:schemeClr val="accent1"/>
+          </a:fillRef>
+          <a:effectRef idx="0">
+            <a:schemeClr val="accent1"/>
+          </a:effectRef>
+          <a:fontRef idx="minor">
+            <a:schemeClr val="lt1"/>
+          </a:fontRef>
+        </p:style>
+        <p:txBody>
+          <a:bodyPr rtlCol="0" anchor="ctr"/>
+          <a:lstStyle/>
+          <a:p>
+            <a:pPr algn="ctr"/>
+            <a:r>
+              <a:rPr lang="nb-NO" dirty="0" err="1"/>
+              <a:t>Elasticsearch</a:t>
+            </a:r>
+            <a:r>
+              <a:rPr lang="nb-NO" dirty="0"/>
+              <a:t> Server</a:t>
+            </a:r>
+          </a:p>
+        </p:txBody>
+      </p:sp>
+      <p:sp>
+        <p:nvSpPr>
+          <p:cNvPr id="10" name="Rectangle 9">
+            <a:extLst>
+              <a:ext uri="{FF2B5EF4-FFF2-40B4-BE49-F238E27FC236}">
+                <a16:creationId xmlns:a16="http://schemas.microsoft.com/office/drawing/2014/main" id="{D557BCDB-1BFF-486C-A0BB-CF081A2583C8}"/>
+              </a:ext>
+            </a:extLst>
+          </p:cNvPr>
+          <p:cNvSpPr/>
+          <p:nvPr/>
+        </p:nvSpPr>
+        <p:spPr>
+          <a:xfrm>
+            <a:off x="7542979" y="1713241"/>
+            <a:ext cx="1800000" cy="720000"/>
+          </a:xfrm>
+          <a:prstGeom prst="rect">
+            <a:avLst/>
+          </a:prstGeom>
+        </p:spPr>
+        <p:style>
+          <a:lnRef idx="2">
+            <a:schemeClr val="accent1">
+              <a:shade val="50000"/>
+            </a:schemeClr>
+          </a:lnRef>
+          <a:fillRef idx="1">
+            <a:schemeClr val="accent1"/>
+          </a:fillRef>
+          <a:effectRef idx="0">
+            <a:schemeClr val="accent1"/>
+          </a:effectRef>
+          <a:fontRef idx="minor">
+            <a:schemeClr val="lt1"/>
+          </a:fontRef>
+        </p:style>
+        <p:txBody>
+          <a:bodyPr rtlCol="0" anchor="ctr"/>
+          <a:lstStyle/>
+          <a:p>
+            <a:pPr algn="ctr"/>
+            <a:r>
+              <a:rPr lang="nb-NO" dirty="0"/>
+              <a:t>Kafka </a:t>
+            </a:r>
+            <a:r>
+              <a:rPr lang="nb-NO" dirty="0" err="1"/>
+              <a:t>Streams</a:t>
+            </a:r>
+            <a:endParaRPr lang="nb-NO" dirty="0"/>
+          </a:p>
+        </p:txBody>
+      </p:sp>
+      <p:sp>
+        <p:nvSpPr>
+          <p:cNvPr id="11" name="Rectangle: Rounded Corners 10">
+            <a:extLst>
+              <a:ext uri="{FF2B5EF4-FFF2-40B4-BE49-F238E27FC236}">
+                <a16:creationId xmlns:a16="http://schemas.microsoft.com/office/drawing/2014/main" id="{F5789B81-336F-4815-8DF8-6B17BF88A9F2}"/>
+              </a:ext>
+            </a:extLst>
+          </p:cNvPr>
+          <p:cNvSpPr/>
+          <p:nvPr/>
+        </p:nvSpPr>
+        <p:spPr>
+          <a:xfrm>
+            <a:off x="9538242" y="3395093"/>
+            <a:ext cx="1800000" cy="720000"/>
+          </a:xfrm>
+          <a:prstGeom prst="roundRect">
+            <a:avLst/>
+          </a:prstGeom>
+        </p:spPr>
+        <p:style>
+          <a:lnRef idx="2">
+            <a:schemeClr val="accent1">
+              <a:shade val="50000"/>
+            </a:schemeClr>
+          </a:lnRef>
+          <a:fillRef idx="1">
+            <a:schemeClr val="accent1"/>
+          </a:fillRef>
+          <a:effectRef idx="0">
+            <a:schemeClr val="accent1"/>
+          </a:effectRef>
+          <a:fontRef idx="minor">
+            <a:schemeClr val="lt1"/>
+          </a:fontRef>
+        </p:style>
+        <p:txBody>
+          <a:bodyPr rtlCol="0" anchor="ctr"/>
+          <a:lstStyle/>
+          <a:p>
+            <a:pPr algn="ctr"/>
+            <a:r>
+              <a:rPr lang="nb-NO" dirty="0"/>
+              <a:t>Rest Service or Java or </a:t>
+            </a:r>
+            <a:r>
+              <a:rPr lang="nb-NO" dirty="0" err="1"/>
+              <a:t>Other</a:t>
+            </a:r>
+            <a:r>
+              <a:rPr lang="nb-NO" dirty="0"/>
+              <a:t> Apps</a:t>
+            </a:r>
+          </a:p>
+        </p:txBody>
+      </p:sp>
+      <p:sp>
+        <p:nvSpPr>
+          <p:cNvPr id="14" name="Oval 13">
+            <a:extLst>
+              <a:ext uri="{FF2B5EF4-FFF2-40B4-BE49-F238E27FC236}">
+                <a16:creationId xmlns:a16="http://schemas.microsoft.com/office/drawing/2014/main" id="{A91F7A31-B7F8-4F6F-9847-7AA3ECA4E1EC}"/>
+              </a:ext>
+            </a:extLst>
+          </p:cNvPr>
+          <p:cNvSpPr/>
+          <p:nvPr/>
+        </p:nvSpPr>
+        <p:spPr>
+          <a:xfrm>
+            <a:off x="6786562" y="3395093"/>
+            <a:ext cx="1800000" cy="720000"/>
+          </a:xfrm>
+          <a:prstGeom prst="ellipse">
+            <a:avLst/>
+          </a:prstGeom>
+          <a:solidFill>
+            <a:schemeClr val="accent2"/>
+          </a:solidFill>
+        </p:spPr>
+        <p:style>
+          <a:lnRef idx="2">
+            <a:schemeClr val="accent1">
+              <a:shade val="50000"/>
+            </a:schemeClr>
+          </a:lnRef>
+          <a:fillRef idx="1">
+            <a:schemeClr val="accent1"/>
+          </a:fillRef>
+          <a:effectRef idx="0">
+            <a:schemeClr val="accent1"/>
+          </a:effectRef>
+          <a:fontRef idx="minor">
+            <a:schemeClr val="lt1"/>
+          </a:fontRef>
+        </p:style>
+        <p:txBody>
+          <a:bodyPr rtlCol="0" anchor="ctr"/>
+          <a:lstStyle/>
+          <a:p>
+            <a:pPr algn="ctr"/>
+            <a:r>
+              <a:rPr lang="nb-NO" dirty="0"/>
+              <a:t>Kafka </a:t>
+            </a:r>
+            <a:r>
+              <a:rPr lang="nb-NO" dirty="0" err="1"/>
+              <a:t>Topic</a:t>
+            </a:r>
+            <a:endParaRPr lang="nb-NO" dirty="0"/>
+          </a:p>
+        </p:txBody>
+      </p:sp>
+      <p:cxnSp>
+        <p:nvCxnSpPr>
+          <p:cNvPr id="16" name="Straight Arrow Connector 15">
+            <a:extLst>
+              <a:ext uri="{FF2B5EF4-FFF2-40B4-BE49-F238E27FC236}">
+                <a16:creationId xmlns:a16="http://schemas.microsoft.com/office/drawing/2014/main" id="{32CD5E60-2A91-4F5B-9308-9610359250D5}"/>
+              </a:ext>
+            </a:extLst>
+          </p:cNvPr>
+          <p:cNvCxnSpPr>
+            <a:cxnSpLocks/>
+            <a:stCxn id="4" idx="2"/>
+          </p:cNvCxnSpPr>
+          <p:nvPr/>
+        </p:nvCxnSpPr>
+        <p:spPr>
+          <a:xfrm flipH="1">
+            <a:off x="5188221" y="2529500"/>
+            <a:ext cx="7779" cy="288531"/>
+          </a:xfrm>
+          <a:prstGeom prst="straightConnector1">
+            <a:avLst/>
+          </a:prstGeom>
+          <a:ln>
+            <a:tailEnd type="triangle"/>
+          </a:ln>
+        </p:spPr>
+        <p:style>
+          <a:lnRef idx="1">
+            <a:schemeClr val="dk1"/>
+          </a:lnRef>
+          <a:fillRef idx="0">
+            <a:schemeClr val="dk1"/>
+          </a:fillRef>
+          <a:effectRef idx="0">
+            <a:schemeClr val="dk1"/>
+          </a:effectRef>
+          <a:fontRef idx="minor">
+            <a:schemeClr val="tx1"/>
+          </a:fontRef>
+        </p:style>
+      </p:cxnSp>
+      <p:cxnSp>
+        <p:nvCxnSpPr>
+          <p:cNvPr id="19" name="Straight Arrow Connector 18">
+            <a:extLst>
+              <a:ext uri="{FF2B5EF4-FFF2-40B4-BE49-F238E27FC236}">
+                <a16:creationId xmlns:a16="http://schemas.microsoft.com/office/drawing/2014/main" id="{1F2B4349-3E05-4BEC-ADA6-370B66BAFC30}"/>
+              </a:ext>
+            </a:extLst>
+          </p:cNvPr>
+          <p:cNvCxnSpPr>
+            <a:stCxn id="6" idx="2"/>
+            <a:endCxn id="7" idx="0"/>
+          </p:cNvCxnSpPr>
+          <p:nvPr/>
+        </p:nvCxnSpPr>
+        <p:spPr>
+          <a:xfrm>
+            <a:off x="5188221" y="3538031"/>
+            <a:ext cx="0" cy="261086"/>
+          </a:xfrm>
+          <a:prstGeom prst="straightConnector1">
+            <a:avLst/>
+          </a:prstGeom>
+          <a:ln>
+            <a:tailEnd type="triangle"/>
+          </a:ln>
+        </p:spPr>
+        <p:style>
+          <a:lnRef idx="1">
+            <a:schemeClr val="dk1"/>
+          </a:lnRef>
+          <a:fillRef idx="0">
+            <a:schemeClr val="dk1"/>
+          </a:fillRef>
+          <a:effectRef idx="0">
+            <a:schemeClr val="dk1"/>
+          </a:effectRef>
+          <a:fontRef idx="minor">
+            <a:schemeClr val="tx1"/>
+          </a:fontRef>
+        </p:style>
+      </p:cxnSp>
+      <p:cxnSp>
+        <p:nvCxnSpPr>
+          <p:cNvPr id="22" name="Straight Arrow Connector 21">
+            <a:extLst>
+              <a:ext uri="{FF2B5EF4-FFF2-40B4-BE49-F238E27FC236}">
+                <a16:creationId xmlns:a16="http://schemas.microsoft.com/office/drawing/2014/main" id="{1B963D6C-7C8B-4954-AEF4-08A56F4E2A28}"/>
+              </a:ext>
+            </a:extLst>
+          </p:cNvPr>
+          <p:cNvCxnSpPr>
+            <a:cxnSpLocks/>
+            <a:stCxn id="7" idx="6"/>
+            <a:endCxn id="10" idx="1"/>
+          </p:cNvCxnSpPr>
+          <p:nvPr/>
+        </p:nvCxnSpPr>
+        <p:spPr>
+          <a:xfrm flipV="1">
+            <a:off x="6088221" y="2073241"/>
+            <a:ext cx="1454758" cy="2085876"/>
+          </a:xfrm>
+          <a:prstGeom prst="straightConnector1">
+            <a:avLst/>
+          </a:prstGeom>
+          <a:ln>
+            <a:tailEnd type="triangle"/>
+          </a:ln>
+        </p:spPr>
+        <p:style>
+          <a:lnRef idx="1">
+            <a:schemeClr val="dk1"/>
+          </a:lnRef>
+          <a:fillRef idx="0">
+            <a:schemeClr val="dk1"/>
+          </a:fillRef>
+          <a:effectRef idx="0">
+            <a:schemeClr val="dk1"/>
+          </a:effectRef>
+          <a:fontRef idx="minor">
+            <a:schemeClr val="tx1"/>
+          </a:fontRef>
+        </p:style>
+      </p:cxnSp>
+      <p:cxnSp>
+        <p:nvCxnSpPr>
+          <p:cNvPr id="26" name="Straight Arrow Connector 25">
+            <a:extLst>
+              <a:ext uri="{FF2B5EF4-FFF2-40B4-BE49-F238E27FC236}">
+                <a16:creationId xmlns:a16="http://schemas.microsoft.com/office/drawing/2014/main" id="{45C85240-B6F6-47E0-8367-57F0DCC11EEB}"/>
+              </a:ext>
+            </a:extLst>
+          </p:cNvPr>
+          <p:cNvCxnSpPr>
+            <a:stCxn id="7" idx="4"/>
+            <a:endCxn id="8" idx="0"/>
+          </p:cNvCxnSpPr>
+          <p:nvPr/>
+        </p:nvCxnSpPr>
+        <p:spPr>
+          <a:xfrm>
+            <a:off x="5188221" y="4519117"/>
+            <a:ext cx="0" cy="354447"/>
+          </a:xfrm>
+          <a:prstGeom prst="straightConnector1">
+            <a:avLst/>
+          </a:prstGeom>
+          <a:ln>
+            <a:tailEnd type="triangle"/>
+          </a:ln>
+        </p:spPr>
+        <p:style>
+          <a:lnRef idx="1">
+            <a:schemeClr val="dk1"/>
+          </a:lnRef>
+          <a:fillRef idx="0">
+            <a:schemeClr val="dk1"/>
+          </a:fillRef>
+          <a:effectRef idx="0">
+            <a:schemeClr val="dk1"/>
+          </a:effectRef>
+          <a:fontRef idx="minor">
+            <a:schemeClr val="tx1"/>
+          </a:fontRef>
+        </p:style>
+      </p:cxnSp>
+      <p:cxnSp>
+        <p:nvCxnSpPr>
+          <p:cNvPr id="29" name="Straight Arrow Connector 28">
+            <a:extLst>
+              <a:ext uri="{FF2B5EF4-FFF2-40B4-BE49-F238E27FC236}">
+                <a16:creationId xmlns:a16="http://schemas.microsoft.com/office/drawing/2014/main" id="{92CB9348-82D3-4ACE-B0E6-A8FA03F3ABB1}"/>
+              </a:ext>
+            </a:extLst>
+          </p:cNvPr>
+          <p:cNvCxnSpPr>
+            <a:stCxn id="8" idx="2"/>
+            <a:endCxn id="9" idx="0"/>
+          </p:cNvCxnSpPr>
+          <p:nvPr/>
+        </p:nvCxnSpPr>
+        <p:spPr>
+          <a:xfrm>
+            <a:off x="5188221" y="5593564"/>
+            <a:ext cx="0" cy="444130"/>
+          </a:xfrm>
+          <a:prstGeom prst="straightConnector1">
+            <a:avLst/>
+          </a:prstGeom>
+          <a:ln>
+            <a:tailEnd type="triangle"/>
+          </a:ln>
+        </p:spPr>
+        <p:style>
+          <a:lnRef idx="1">
+            <a:schemeClr val="dk1"/>
+          </a:lnRef>
+          <a:fillRef idx="0">
+            <a:schemeClr val="dk1"/>
+          </a:fillRef>
+          <a:effectRef idx="0">
+            <a:schemeClr val="dk1"/>
+          </a:effectRef>
+          <a:fontRef idx="minor">
+            <a:schemeClr val="tx1"/>
+          </a:fontRef>
+        </p:style>
+      </p:cxnSp>
+      <p:cxnSp>
+        <p:nvCxnSpPr>
+          <p:cNvPr id="31" name="Straight Arrow Connector 30">
+            <a:extLst>
+              <a:ext uri="{FF2B5EF4-FFF2-40B4-BE49-F238E27FC236}">
+                <a16:creationId xmlns:a16="http://schemas.microsoft.com/office/drawing/2014/main" id="{C0537081-5704-4045-9FA0-56F104EFBAE2}"/>
+              </a:ext>
+            </a:extLst>
+          </p:cNvPr>
+          <p:cNvCxnSpPr>
+            <a:cxnSpLocks/>
+            <a:stCxn id="10" idx="2"/>
+          </p:cNvCxnSpPr>
+          <p:nvPr/>
+        </p:nvCxnSpPr>
+        <p:spPr>
+          <a:xfrm flipH="1">
+            <a:off x="7662636" y="2433241"/>
+            <a:ext cx="780343" cy="1005875"/>
+          </a:xfrm>
+          <a:prstGeom prst="straightConnector1">
+            <a:avLst/>
+          </a:prstGeom>
+          <a:ln>
+            <a:tailEnd type="triangle"/>
+          </a:ln>
+        </p:spPr>
+        <p:style>
+          <a:lnRef idx="1">
+            <a:schemeClr val="dk1"/>
+          </a:lnRef>
+          <a:fillRef idx="0">
+            <a:schemeClr val="dk1"/>
+          </a:fillRef>
+          <a:effectRef idx="0">
+            <a:schemeClr val="dk1"/>
+          </a:effectRef>
+          <a:fontRef idx="minor">
+            <a:schemeClr val="tx1"/>
+          </a:fontRef>
+        </p:style>
+      </p:cxnSp>
+      <p:cxnSp>
+        <p:nvCxnSpPr>
+          <p:cNvPr id="38" name="Straight Arrow Connector 37">
+            <a:extLst>
+              <a:ext uri="{FF2B5EF4-FFF2-40B4-BE49-F238E27FC236}">
+                <a16:creationId xmlns:a16="http://schemas.microsoft.com/office/drawing/2014/main" id="{7C684F5C-1D6F-4EC5-9D17-A599884F7220}"/>
+              </a:ext>
+            </a:extLst>
+          </p:cNvPr>
+          <p:cNvCxnSpPr>
+            <a:stCxn id="10" idx="2"/>
+            <a:endCxn id="11" idx="0"/>
+          </p:cNvCxnSpPr>
+          <p:nvPr/>
+        </p:nvCxnSpPr>
+        <p:spPr>
+          <a:xfrm>
+            <a:off x="8442979" y="2433241"/>
+            <a:ext cx="1995263" cy="961852"/>
+          </a:xfrm>
+          <a:prstGeom prst="straightConnector1">
+            <a:avLst/>
+          </a:prstGeom>
+          <a:ln>
+            <a:tailEnd type="triangle"/>
+          </a:ln>
+        </p:spPr>
+        <p:style>
+          <a:lnRef idx="1">
+            <a:schemeClr val="accent1"/>
+          </a:lnRef>
+          <a:fillRef idx="0">
+            <a:schemeClr val="accent1"/>
+          </a:fillRef>
+          <a:effectRef idx="0">
+            <a:schemeClr val="accent1"/>
+          </a:effectRef>
+          <a:fontRef idx="minor">
+            <a:schemeClr val="tx1"/>
+          </a:fontRef>
+        </p:style>
+      </p:cxnSp>
+      <p:cxnSp>
+        <p:nvCxnSpPr>
+          <p:cNvPr id="48" name="Straight Arrow Connector 47">
+            <a:extLst>
+              <a:ext uri="{FF2B5EF4-FFF2-40B4-BE49-F238E27FC236}">
+                <a16:creationId xmlns:a16="http://schemas.microsoft.com/office/drawing/2014/main" id="{774B6BA2-8F3C-4496-8CF5-1B6E93DC5C13}"/>
+              </a:ext>
+            </a:extLst>
+          </p:cNvPr>
+          <p:cNvCxnSpPr>
+            <a:cxnSpLocks/>
+            <a:stCxn id="14" idx="4"/>
+          </p:cNvCxnSpPr>
+          <p:nvPr/>
+        </p:nvCxnSpPr>
+        <p:spPr>
+          <a:xfrm flipH="1">
+            <a:off x="5181021" y="4115093"/>
+            <a:ext cx="2505541" cy="755694"/>
+          </a:xfrm>
+          <a:prstGeom prst="straightConnector1">
+            <a:avLst/>
+          </a:prstGeom>
+          <a:ln>
+            <a:tailEnd type="triangle"/>
+          </a:ln>
+        </p:spPr>
+        <p:style>
+          <a:lnRef idx="1">
+            <a:schemeClr val="dk1"/>
+          </a:lnRef>
+          <a:fillRef idx="0">
+            <a:schemeClr val="dk1"/>
+          </a:fillRef>
+          <a:effectRef idx="0">
+            <a:schemeClr val="dk1"/>
+          </a:effectRef>
+          <a:fontRef idx="minor">
+            <a:schemeClr val="tx1"/>
+          </a:fontRef>
+        </p:style>
+      </p:cxnSp>
+    </p:spTree>
+    <p:extLst>
+      <p:ext uri="{BB962C8B-B14F-4D97-AF65-F5344CB8AC3E}">
+        <p14:creationId xmlns:p14="http://schemas.microsoft.com/office/powerpoint/2010/main" val="1540985275"/>
+      </p:ext>
+    </p:extLst>
+  </p:cSld>
+  <p:clrMapOvr>
+    <a:masterClrMapping/>
+  </p:clrMapOvr>
+  <p:extLst>
+    <p:ext uri="{6950BFC3-D8DA-4A85-94F7-54DA5524770B}">
+      <p188:commentRel xmlns:p188="http://schemas.microsoft.com/office/powerpoint/2018/8/main" r:id="rId2"/>
+    </p:ext>
+  </p:extLst>
+</p:sld>
+</file>
+
 <file path=ppt/slides/slide2.xml><?xml version="1.0" encoding="utf-8"?>
 <p:sld xmlns:a="http://schemas.openxmlformats.org/drawingml/2006/main" xmlns:r="http://schemas.openxmlformats.org/officeDocument/2006/relationships" xmlns:p="http://schemas.openxmlformats.org/presentationml/2006/main">
   <p:cSld>
@@ -5106,7 +6268,7 @@
           <a:graphicData uri="http://schemas.openxmlformats.org/presentationml/2006/ole">
             <mc:AlternateContent xmlns:mc="http://schemas.openxmlformats.org/markup-compatibility/2006">
               <mc:Choice xmlns:v="urn:schemas-microsoft-com:vml" Requires="v">
-                <p:oleObj spid="_x0000_s1030" name="Packager Shell Object" showAsIcon="1" r:id="rId3" imgW="948240" imgH="431640" progId="Package">
+                <p:oleObj spid="_x0000_s1039" name="Packager Shell Object" showAsIcon="1" r:id="rId3" imgW="948240" imgH="431640" progId="Package">
                   <p:embed/>
                 </p:oleObj>
               </mc:Choice>
@@ -5579,7 +6741,7 @@
           <a:graphicData uri="http://schemas.openxmlformats.org/presentationml/2006/ole">
             <mc:AlternateContent xmlns:mc="http://schemas.openxmlformats.org/markup-compatibility/2006">
               <mc:Choice xmlns:v="urn:schemas-microsoft-com:vml" Requires="v">
-                <p:oleObj spid="_x0000_s2066" name="Document" r:id="rId3" imgW="8128080" imgH="5418000" progId="Word.OpenDocumentText.12">
+                <p:oleObj spid="_x0000_s2102" name="Document" r:id="rId3" imgW="8128080" imgH="5418000" progId="Word.OpenDocumentText.12">
                   <p:embed/>
                 </p:oleObj>
               </mc:Choice>
@@ -5833,7 +6995,7 @@
           <a:graphicData uri="http://schemas.openxmlformats.org/presentationml/2006/ole">
             <mc:AlternateContent xmlns:mc="http://schemas.openxmlformats.org/markup-compatibility/2006">
               <mc:Choice xmlns:v="urn:schemas-microsoft-com:vml" Requires="v">
-                <p:oleObj spid="_x0000_s2067" name="Packager Shell Object" showAsIcon="1" r:id="rId5" imgW="3285720" imgH="431640" progId="Package">
+                <p:oleObj spid="_x0000_s2103" name="Packager Shell Object" showAsIcon="1" r:id="rId5" imgW="3285720" imgH="431640" progId="Package">
                   <p:embed/>
                 </p:oleObj>
               </mc:Choice>
@@ -5896,7 +7058,7 @@
           <a:graphicData uri="http://schemas.openxmlformats.org/presentationml/2006/ole">
             <mc:AlternateContent xmlns:mc="http://schemas.openxmlformats.org/markup-compatibility/2006">
               <mc:Choice xmlns:v="urn:schemas-microsoft-com:vml" Requires="v">
-                <p:oleObj spid="_x0000_s2068" name="Packager Shell Object" showAsIcon="1" r:id="rId7" imgW="2307960" imgH="431640" progId="Package">
+                <p:oleObj spid="_x0000_s2104" name="Packager Shell Object" showAsIcon="1" r:id="rId7" imgW="2307960" imgH="431640" progId="Package">
                   <p:embed/>
                 </p:oleObj>
               </mc:Choice>
@@ -5959,7 +7121,7 @@
           <a:graphicData uri="http://schemas.openxmlformats.org/presentationml/2006/ole">
             <mc:AlternateContent xmlns:mc="http://schemas.openxmlformats.org/markup-compatibility/2006">
               <mc:Choice xmlns:v="urn:schemas-microsoft-com:vml" Requires="v">
-                <p:oleObj spid="_x0000_s2069" name="Packager Shell Object" showAsIcon="1" r:id="rId9" imgW="1911960" imgH="431640" progId="Package">
+                <p:oleObj spid="_x0000_s2105" name="Packager Shell Object" showAsIcon="1" r:id="rId9" imgW="1911960" imgH="431640" progId="Package">
                   <p:embed/>
                 </p:oleObj>
               </mc:Choice>

--- a/KafkaDocumentation/KafkaConfigurationsAfter Installation.pptx
+++ b/KafkaDocumentation/KafkaConfigurationsAfter Installation.pptx
@@ -6268,7 +6268,7 @@
           <a:graphicData uri="http://schemas.openxmlformats.org/presentationml/2006/ole">
             <mc:AlternateContent xmlns:mc="http://schemas.openxmlformats.org/markup-compatibility/2006">
               <mc:Choice xmlns:v="urn:schemas-microsoft-com:vml" Requires="v">
-                <p:oleObj spid="_x0000_s1039" name="Packager Shell Object" showAsIcon="1" r:id="rId3" imgW="948240" imgH="431640" progId="Package">
+                <p:oleObj spid="_x0000_s1045" name="Packager Shell Object" showAsIcon="1" r:id="rId3" imgW="948240" imgH="431640" progId="Package">
                   <p:embed/>
                 </p:oleObj>
               </mc:Choice>
@@ -6741,7 +6741,7 @@
           <a:graphicData uri="http://schemas.openxmlformats.org/presentationml/2006/ole">
             <mc:AlternateContent xmlns:mc="http://schemas.openxmlformats.org/markup-compatibility/2006">
               <mc:Choice xmlns:v="urn:schemas-microsoft-com:vml" Requires="v">
-                <p:oleObj spid="_x0000_s2102" name="Document" r:id="rId3" imgW="8128080" imgH="5418000" progId="Word.OpenDocumentText.12">
+                <p:oleObj spid="_x0000_s2126" name="Document" r:id="rId3" imgW="8128080" imgH="5418000" progId="Word.OpenDocumentText.12">
                   <p:embed/>
                 </p:oleObj>
               </mc:Choice>
@@ -6995,7 +6995,7 @@
           <a:graphicData uri="http://schemas.openxmlformats.org/presentationml/2006/ole">
             <mc:AlternateContent xmlns:mc="http://schemas.openxmlformats.org/markup-compatibility/2006">
               <mc:Choice xmlns:v="urn:schemas-microsoft-com:vml" Requires="v">
-                <p:oleObj spid="_x0000_s2103" name="Packager Shell Object" showAsIcon="1" r:id="rId5" imgW="3285720" imgH="431640" progId="Package">
+                <p:oleObj spid="_x0000_s2127" name="Packager Shell Object" showAsIcon="1" r:id="rId5" imgW="3285720" imgH="431640" progId="Package">
                   <p:embed/>
                 </p:oleObj>
               </mc:Choice>
@@ -7058,7 +7058,7 @@
           <a:graphicData uri="http://schemas.openxmlformats.org/presentationml/2006/ole">
             <mc:AlternateContent xmlns:mc="http://schemas.openxmlformats.org/markup-compatibility/2006">
               <mc:Choice xmlns:v="urn:schemas-microsoft-com:vml" Requires="v">
-                <p:oleObj spid="_x0000_s2104" name="Packager Shell Object" showAsIcon="1" r:id="rId7" imgW="2307960" imgH="431640" progId="Package">
+                <p:oleObj spid="_x0000_s2128" name="Packager Shell Object" showAsIcon="1" r:id="rId7" imgW="2307960" imgH="431640" progId="Package">
                   <p:embed/>
                 </p:oleObj>
               </mc:Choice>
@@ -7121,7 +7121,7 @@
           <a:graphicData uri="http://schemas.openxmlformats.org/presentationml/2006/ole">
             <mc:AlternateContent xmlns:mc="http://schemas.openxmlformats.org/markup-compatibility/2006">
               <mc:Choice xmlns:v="urn:schemas-microsoft-com:vml" Requires="v">
-                <p:oleObj spid="_x0000_s2105" name="Packager Shell Object" showAsIcon="1" r:id="rId9" imgW="1911960" imgH="431640" progId="Package">
+                <p:oleObj spid="_x0000_s2129" name="Packager Shell Object" showAsIcon="1" r:id="rId9" imgW="1911960" imgH="431640" progId="Package">
                   <p:embed/>
                 </p:oleObj>
               </mc:Choice>
